--- a/docs/画图用的PPT.pptx
+++ b/docs/画图用的PPT.pptx
@@ -6,6 +6,7 @@
   </p:sldMasterIdLst>
   <p:sldIdLst>
     <p:sldId id="256" r:id="rId2"/>
+    <p:sldId id="257" r:id="rId3"/>
   </p:sldIdLst>
   <p:sldSz cx="9144000" cy="6858000" type="screen4x3"/>
   <p:notesSz cx="6858000" cy="9144000"/>
@@ -288,7 +289,7 @@
           <a:p>
             <a:fld id="{530820CF-B880-4189-942D-D702A7CBA730}" type="datetimeFigureOut">
               <a:rPr lang="zh-CN" altLang="en-US" smtClean="0"/>
-              <a:t>2019/8/29</a:t>
+              <a:t>2019/9/7</a:t>
             </a:fld>
             <a:endParaRPr lang="zh-CN" altLang="en-US"/>
           </a:p>
@@ -453,7 +454,7 @@
           <a:p>
             <a:fld id="{530820CF-B880-4189-942D-D702A7CBA730}" type="datetimeFigureOut">
               <a:rPr lang="zh-CN" altLang="en-US" smtClean="0"/>
-              <a:t>2019/8/29</a:t>
+              <a:t>2019/9/7</a:t>
             </a:fld>
             <a:endParaRPr lang="zh-CN" altLang="en-US"/>
           </a:p>
@@ -628,7 +629,7 @@
           <a:p>
             <a:fld id="{530820CF-B880-4189-942D-D702A7CBA730}" type="datetimeFigureOut">
               <a:rPr lang="zh-CN" altLang="en-US" smtClean="0"/>
-              <a:t>2019/8/29</a:t>
+              <a:t>2019/9/7</a:t>
             </a:fld>
             <a:endParaRPr lang="zh-CN" altLang="en-US"/>
           </a:p>
@@ -793,7 +794,7 @@
           <a:p>
             <a:fld id="{530820CF-B880-4189-942D-D702A7CBA730}" type="datetimeFigureOut">
               <a:rPr lang="zh-CN" altLang="en-US" smtClean="0"/>
-              <a:t>2019/8/29</a:t>
+              <a:t>2019/9/7</a:t>
             </a:fld>
             <a:endParaRPr lang="zh-CN" altLang="en-US"/>
           </a:p>
@@ -1034,7 +1035,7 @@
           <a:p>
             <a:fld id="{530820CF-B880-4189-942D-D702A7CBA730}" type="datetimeFigureOut">
               <a:rPr lang="zh-CN" altLang="en-US" smtClean="0"/>
-              <a:t>2019/8/29</a:t>
+              <a:t>2019/9/7</a:t>
             </a:fld>
             <a:endParaRPr lang="zh-CN" altLang="en-US"/>
           </a:p>
@@ -1317,7 +1318,7 @@
           <a:p>
             <a:fld id="{530820CF-B880-4189-942D-D702A7CBA730}" type="datetimeFigureOut">
               <a:rPr lang="zh-CN" altLang="en-US" smtClean="0"/>
-              <a:t>2019/8/29</a:t>
+              <a:t>2019/9/7</a:t>
             </a:fld>
             <a:endParaRPr lang="zh-CN" altLang="en-US"/>
           </a:p>
@@ -1734,7 +1735,7 @@
           <a:p>
             <a:fld id="{530820CF-B880-4189-942D-D702A7CBA730}" type="datetimeFigureOut">
               <a:rPr lang="zh-CN" altLang="en-US" smtClean="0"/>
-              <a:t>2019/8/29</a:t>
+              <a:t>2019/9/7</a:t>
             </a:fld>
             <a:endParaRPr lang="zh-CN" altLang="en-US"/>
           </a:p>
@@ -1847,7 +1848,7 @@
           <a:p>
             <a:fld id="{530820CF-B880-4189-942D-D702A7CBA730}" type="datetimeFigureOut">
               <a:rPr lang="zh-CN" altLang="en-US" smtClean="0"/>
-              <a:t>2019/8/29</a:t>
+              <a:t>2019/9/7</a:t>
             </a:fld>
             <a:endParaRPr lang="zh-CN" altLang="en-US"/>
           </a:p>
@@ -1937,7 +1938,7 @@
           <a:p>
             <a:fld id="{530820CF-B880-4189-942D-D702A7CBA730}" type="datetimeFigureOut">
               <a:rPr lang="zh-CN" altLang="en-US" smtClean="0"/>
-              <a:t>2019/8/29</a:t>
+              <a:t>2019/9/7</a:t>
             </a:fld>
             <a:endParaRPr lang="zh-CN" altLang="en-US"/>
           </a:p>
@@ -2209,7 +2210,7 @@
           <a:p>
             <a:fld id="{530820CF-B880-4189-942D-D702A7CBA730}" type="datetimeFigureOut">
               <a:rPr lang="zh-CN" altLang="en-US" smtClean="0"/>
-              <a:t>2019/8/29</a:t>
+              <a:t>2019/9/7</a:t>
             </a:fld>
             <a:endParaRPr lang="zh-CN" altLang="en-US"/>
           </a:p>
@@ -2457,7 +2458,7 @@
           <a:p>
             <a:fld id="{530820CF-B880-4189-942D-D702A7CBA730}" type="datetimeFigureOut">
               <a:rPr lang="zh-CN" altLang="en-US" smtClean="0"/>
-              <a:t>2019/8/29</a:t>
+              <a:t>2019/9/7</a:t>
             </a:fld>
             <a:endParaRPr lang="zh-CN" altLang="en-US"/>
           </a:p>
@@ -2665,7 +2666,7 @@
           <a:p>
             <a:fld id="{530820CF-B880-4189-942D-D702A7CBA730}" type="datetimeFigureOut">
               <a:rPr lang="zh-CN" altLang="en-US" smtClean="0"/>
-              <a:t>2019/8/29</a:t>
+              <a:t>2019/9/7</a:t>
             </a:fld>
             <a:endParaRPr lang="zh-CN" altLang="en-US"/>
           </a:p>
@@ -3611,6 +3612,429 @@
 </p:sld>
 </file>
 
+<file path=ppt/slides/slide2.xml><?xml version="1.0" encoding="utf-8"?>
+<p:sld xmlns:a="http://schemas.openxmlformats.org/drawingml/2006/main" xmlns:r="http://schemas.openxmlformats.org/officeDocument/2006/relationships" xmlns:p="http://schemas.openxmlformats.org/presentationml/2006/main">
+  <p:cSld>
+    <p:spTree>
+      <p:nvGrpSpPr>
+        <p:cNvPr id="1" name=""/>
+        <p:cNvGrpSpPr/>
+        <p:nvPr/>
+      </p:nvGrpSpPr>
+      <p:grpSpPr>
+        <a:xfrm>
+          <a:off x="0" y="0"/>
+          <a:ext cx="0" cy="0"/>
+          <a:chOff x="0" y="0"/>
+          <a:chExt cx="0" cy="0"/>
+        </a:xfrm>
+      </p:grpSpPr>
+      <p:sp>
+        <p:nvSpPr>
+          <p:cNvPr id="3" name="矩形 2"/>
+          <p:cNvSpPr/>
+          <p:nvPr/>
+        </p:nvSpPr>
+        <p:spPr>
+          <a:xfrm>
+            <a:off x="1764804" y="3032956"/>
+            <a:ext cx="2124236" cy="792088"/>
+          </a:xfrm>
+          <a:prstGeom prst="rect">
+            <a:avLst/>
+          </a:prstGeom>
+          <a:solidFill>
+            <a:srgbClr val="7030A0"/>
+          </a:solidFill>
+          <a:ln>
+            <a:noFill/>
+          </a:ln>
+        </p:spPr>
+        <p:style>
+          <a:lnRef idx="2">
+            <a:schemeClr val="accent1">
+              <a:shade val="50000"/>
+            </a:schemeClr>
+          </a:lnRef>
+          <a:fillRef idx="1">
+            <a:schemeClr val="accent1"/>
+          </a:fillRef>
+          <a:effectRef idx="0">
+            <a:schemeClr val="accent1"/>
+          </a:effectRef>
+          <a:fontRef idx="minor">
+            <a:schemeClr val="lt1"/>
+          </a:fontRef>
+        </p:style>
+        <p:txBody>
+          <a:bodyPr rtlCol="0" anchor="ctr"/>
+          <a:lstStyle/>
+          <a:p>
+            <a:pPr algn="ctr"/>
+            <a:r>
+              <a:rPr lang="en-US" altLang="zh-CN" dirty="0" err="1" smtClean="0"/>
+              <a:t>nicefish</a:t>
+            </a:r>
+            <a:r>
+              <a:rPr lang="en-US" altLang="zh-CN" dirty="0" smtClean="0"/>
+              <a:t>-core</a:t>
+            </a:r>
+            <a:endParaRPr lang="zh-CN" altLang="en-US" dirty="0"/>
+          </a:p>
+        </p:txBody>
+      </p:sp>
+      <p:sp>
+        <p:nvSpPr>
+          <p:cNvPr id="18" name="矩形 17"/>
+          <p:cNvSpPr/>
+          <p:nvPr/>
+        </p:nvSpPr>
+        <p:spPr>
+          <a:xfrm>
+            <a:off x="1764804" y="4271764"/>
+            <a:ext cx="2124236" cy="792088"/>
+          </a:xfrm>
+          <a:prstGeom prst="rect">
+            <a:avLst/>
+          </a:prstGeom>
+          <a:solidFill>
+            <a:srgbClr val="7030A0"/>
+          </a:solidFill>
+          <a:ln>
+            <a:noFill/>
+          </a:ln>
+        </p:spPr>
+        <p:style>
+          <a:lnRef idx="2">
+            <a:schemeClr val="accent1">
+              <a:shade val="50000"/>
+            </a:schemeClr>
+          </a:lnRef>
+          <a:fillRef idx="1">
+            <a:schemeClr val="accent1"/>
+          </a:fillRef>
+          <a:effectRef idx="0">
+            <a:schemeClr val="accent1"/>
+          </a:effectRef>
+          <a:fontRef idx="minor">
+            <a:schemeClr val="lt1"/>
+          </a:fontRef>
+        </p:style>
+        <p:txBody>
+          <a:bodyPr rtlCol="0" anchor="ctr"/>
+          <a:lstStyle/>
+          <a:p>
+            <a:pPr algn="ctr"/>
+            <a:r>
+              <a:rPr lang="en-US" altLang="zh-CN" dirty="0" err="1"/>
+              <a:t>nicefish-auth-shiro</a:t>
+            </a:r>
+            <a:endParaRPr lang="zh-CN" altLang="en-US" dirty="0"/>
+          </a:p>
+        </p:txBody>
+      </p:sp>
+      <p:sp>
+        <p:nvSpPr>
+          <p:cNvPr id="21" name="矩形 20"/>
+          <p:cNvSpPr/>
+          <p:nvPr/>
+        </p:nvSpPr>
+        <p:spPr>
+          <a:xfrm>
+            <a:off x="1764804" y="1794148"/>
+            <a:ext cx="2124236" cy="792088"/>
+          </a:xfrm>
+          <a:prstGeom prst="rect">
+            <a:avLst/>
+          </a:prstGeom>
+          <a:solidFill>
+            <a:srgbClr val="7030A0"/>
+          </a:solidFill>
+          <a:ln>
+            <a:noFill/>
+          </a:ln>
+        </p:spPr>
+        <p:style>
+          <a:lnRef idx="2">
+            <a:schemeClr val="accent1">
+              <a:shade val="50000"/>
+            </a:schemeClr>
+          </a:lnRef>
+          <a:fillRef idx="1">
+            <a:schemeClr val="accent1"/>
+          </a:fillRef>
+          <a:effectRef idx="0">
+            <a:schemeClr val="accent1"/>
+          </a:effectRef>
+          <a:fontRef idx="minor">
+            <a:schemeClr val="lt1"/>
+          </a:fontRef>
+        </p:style>
+        <p:txBody>
+          <a:bodyPr rtlCol="0" anchor="ctr"/>
+          <a:lstStyle/>
+          <a:p>
+            <a:pPr algn="ctr"/>
+            <a:r>
+              <a:rPr lang="en-US" altLang="zh-CN" dirty="0" err="1"/>
+              <a:t>nicefish</a:t>
+            </a:r>
+            <a:r>
+              <a:rPr lang="en-US" altLang="zh-CN" dirty="0"/>
+              <a:t>-staff-org</a:t>
+            </a:r>
+            <a:endParaRPr lang="zh-CN" altLang="en-US" dirty="0"/>
+          </a:p>
+        </p:txBody>
+      </p:sp>
+      <p:sp>
+        <p:nvSpPr>
+          <p:cNvPr id="22" name="矩形 21"/>
+          <p:cNvSpPr/>
+          <p:nvPr/>
+        </p:nvSpPr>
+        <p:spPr>
+          <a:xfrm>
+            <a:off x="5005164" y="3032956"/>
+            <a:ext cx="2124236" cy="792088"/>
+          </a:xfrm>
+          <a:prstGeom prst="rect">
+            <a:avLst/>
+          </a:prstGeom>
+          <a:solidFill>
+            <a:srgbClr val="7030A0"/>
+          </a:solidFill>
+          <a:ln>
+            <a:noFill/>
+          </a:ln>
+        </p:spPr>
+        <p:style>
+          <a:lnRef idx="2">
+            <a:schemeClr val="accent1">
+              <a:shade val="50000"/>
+            </a:schemeClr>
+          </a:lnRef>
+          <a:fillRef idx="1">
+            <a:schemeClr val="accent1"/>
+          </a:fillRef>
+          <a:effectRef idx="0">
+            <a:schemeClr val="accent1"/>
+          </a:effectRef>
+          <a:fontRef idx="minor">
+            <a:schemeClr val="lt1"/>
+          </a:fontRef>
+        </p:style>
+        <p:txBody>
+          <a:bodyPr rtlCol="0" anchor="ctr"/>
+          <a:lstStyle/>
+          <a:p>
+            <a:pPr algn="ctr"/>
+            <a:r>
+              <a:rPr lang="en-US" altLang="zh-CN" dirty="0" err="1"/>
+              <a:t>nicefish-cms</a:t>
+            </a:r>
+            <a:endParaRPr lang="zh-CN" altLang="en-US" dirty="0"/>
+          </a:p>
+        </p:txBody>
+      </p:sp>
+      <p:cxnSp>
+        <p:nvCxnSpPr>
+          <p:cNvPr id="5" name="直接箭头连接符 4"/>
+          <p:cNvCxnSpPr>
+            <a:stCxn id="21" idx="2"/>
+            <a:endCxn id="3" idx="0"/>
+          </p:cNvCxnSpPr>
+          <p:nvPr/>
+        </p:nvCxnSpPr>
+        <p:spPr>
+          <a:xfrm>
+            <a:off x="2826922" y="2586236"/>
+            <a:ext cx="0" cy="446720"/>
+          </a:xfrm>
+          <a:prstGeom prst="straightConnector1">
+            <a:avLst/>
+          </a:prstGeom>
+          <a:ln w="28575">
+            <a:tailEnd type="arrow"/>
+          </a:ln>
+        </p:spPr>
+        <p:style>
+          <a:lnRef idx="1">
+            <a:schemeClr val="accent1"/>
+          </a:lnRef>
+          <a:fillRef idx="0">
+            <a:schemeClr val="accent1"/>
+          </a:fillRef>
+          <a:effectRef idx="0">
+            <a:schemeClr val="accent1"/>
+          </a:effectRef>
+          <a:fontRef idx="minor">
+            <a:schemeClr val="tx1"/>
+          </a:fontRef>
+        </p:style>
+      </p:cxnSp>
+      <p:cxnSp>
+        <p:nvCxnSpPr>
+          <p:cNvPr id="24" name="直接箭头连接符 23"/>
+          <p:cNvCxnSpPr>
+            <a:stCxn id="18" idx="0"/>
+          </p:cNvCxnSpPr>
+          <p:nvPr/>
+        </p:nvCxnSpPr>
+        <p:spPr>
+          <a:xfrm flipV="1">
+            <a:off x="2826922" y="3861048"/>
+            <a:ext cx="0" cy="410716"/>
+          </a:xfrm>
+          <a:prstGeom prst="straightConnector1">
+            <a:avLst/>
+          </a:prstGeom>
+          <a:ln w="28575">
+            <a:tailEnd type="arrow"/>
+          </a:ln>
+        </p:spPr>
+        <p:style>
+          <a:lnRef idx="1">
+            <a:schemeClr val="accent1"/>
+          </a:lnRef>
+          <a:fillRef idx="0">
+            <a:schemeClr val="accent1"/>
+          </a:fillRef>
+          <a:effectRef idx="0">
+            <a:schemeClr val="accent1"/>
+          </a:effectRef>
+          <a:fontRef idx="minor">
+            <a:schemeClr val="tx1"/>
+          </a:fontRef>
+        </p:style>
+      </p:cxnSp>
+      <p:cxnSp>
+        <p:nvCxnSpPr>
+          <p:cNvPr id="25" name="直接箭头连接符 24"/>
+          <p:cNvCxnSpPr>
+            <a:stCxn id="22" idx="1"/>
+            <a:endCxn id="3" idx="3"/>
+          </p:cNvCxnSpPr>
+          <p:nvPr/>
+        </p:nvCxnSpPr>
+        <p:spPr>
+          <a:xfrm flipH="1">
+            <a:off x="3889040" y="3429000"/>
+            <a:ext cx="1116124" cy="0"/>
+          </a:xfrm>
+          <a:prstGeom prst="straightConnector1">
+            <a:avLst/>
+          </a:prstGeom>
+          <a:ln w="28575">
+            <a:tailEnd type="arrow"/>
+          </a:ln>
+        </p:spPr>
+        <p:style>
+          <a:lnRef idx="1">
+            <a:schemeClr val="accent1"/>
+          </a:lnRef>
+          <a:fillRef idx="0">
+            <a:schemeClr val="accent1"/>
+          </a:fillRef>
+          <a:effectRef idx="0">
+            <a:schemeClr val="accent1"/>
+          </a:effectRef>
+          <a:fontRef idx="minor">
+            <a:schemeClr val="tx1"/>
+          </a:fontRef>
+        </p:style>
+      </p:cxnSp>
+      <p:cxnSp>
+        <p:nvCxnSpPr>
+          <p:cNvPr id="28" name="直接箭头连接符 27"/>
+          <p:cNvCxnSpPr>
+            <a:endCxn id="18" idx="3"/>
+          </p:cNvCxnSpPr>
+          <p:nvPr/>
+        </p:nvCxnSpPr>
+        <p:spPr>
+          <a:xfrm flipH="1">
+            <a:off x="3889040" y="3429000"/>
+            <a:ext cx="1116124" cy="1238808"/>
+          </a:xfrm>
+          <a:prstGeom prst="straightConnector1">
+            <a:avLst/>
+          </a:prstGeom>
+          <a:ln w="28575">
+            <a:tailEnd type="arrow"/>
+          </a:ln>
+        </p:spPr>
+        <p:style>
+          <a:lnRef idx="1">
+            <a:schemeClr val="accent1"/>
+          </a:lnRef>
+          <a:fillRef idx="0">
+            <a:schemeClr val="accent1"/>
+          </a:fillRef>
+          <a:effectRef idx="0">
+            <a:schemeClr val="accent1"/>
+          </a:effectRef>
+          <a:fontRef idx="minor">
+            <a:schemeClr val="tx1"/>
+          </a:fontRef>
+        </p:style>
+      </p:cxnSp>
+      <p:cxnSp>
+        <p:nvCxnSpPr>
+          <p:cNvPr id="31" name="直接箭头连接符 30"/>
+          <p:cNvCxnSpPr>
+            <a:stCxn id="22" idx="1"/>
+            <a:endCxn id="21" idx="3"/>
+          </p:cNvCxnSpPr>
+          <p:nvPr/>
+        </p:nvCxnSpPr>
+        <p:spPr>
+          <a:xfrm flipH="1" flipV="1">
+            <a:off x="3889040" y="2190192"/>
+            <a:ext cx="1116124" cy="1238808"/>
+          </a:xfrm>
+          <a:prstGeom prst="straightConnector1">
+            <a:avLst/>
+          </a:prstGeom>
+          <a:ln w="28575">
+            <a:tailEnd type="arrow"/>
+          </a:ln>
+        </p:spPr>
+        <p:style>
+          <a:lnRef idx="1">
+            <a:schemeClr val="accent1"/>
+          </a:lnRef>
+          <a:fillRef idx="0">
+            <a:schemeClr val="accent1"/>
+          </a:fillRef>
+          <a:effectRef idx="0">
+            <a:schemeClr val="accent1"/>
+          </a:effectRef>
+          <a:fontRef idx="minor">
+            <a:schemeClr val="tx1"/>
+          </a:fontRef>
+        </p:style>
+      </p:cxnSp>
+    </p:spTree>
+    <p:extLst>
+      <p:ext uri="{BB962C8B-B14F-4D97-AF65-F5344CB8AC3E}">
+        <p14:creationId xmlns:p14="http://schemas.microsoft.com/office/powerpoint/2010/main" val="3972849702"/>
+      </p:ext>
+    </p:extLst>
+  </p:cSld>
+  <p:clrMapOvr>
+    <a:masterClrMapping/>
+  </p:clrMapOvr>
+  <p:timing>
+    <p:tnLst>
+      <p:par>
+        <p:cTn id="1" dur="indefinite" restart="never" nodeType="tmRoot"/>
+      </p:par>
+    </p:tnLst>
+  </p:timing>
+</p:sld>
+</file>
+
 <file path=ppt/theme/theme1.xml><?xml version="1.0" encoding="utf-8"?>
 <a:theme xmlns:a="http://schemas.openxmlformats.org/drawingml/2006/main" name="Office 主题">
   <a:themeElements>

--- a/docs/画图用的PPT.pptx
+++ b/docs/画图用的PPT.pptx
@@ -1,15 +1,18 @@
 
 <file path=ppt/presentation.xml><?xml version="1.0" encoding="utf-8"?>
-<p:presentation xmlns:a="http://schemas.openxmlformats.org/drawingml/2006/main" xmlns:r="http://schemas.openxmlformats.org/officeDocument/2006/relationships" xmlns:p="http://schemas.openxmlformats.org/presentationml/2006/main" saveSubsetFonts="1">
+<p:presentation xmlns:a="http://schemas.openxmlformats.org/drawingml/2006/main" xmlns:r="http://schemas.openxmlformats.org/officeDocument/2006/relationships" xmlns:p="http://schemas.openxmlformats.org/presentationml/2006/main">
   <p:sldMasterIdLst>
     <p:sldMasterId id="2147483648" r:id="rId1"/>
   </p:sldMasterIdLst>
   <p:sldIdLst>
-    <p:sldId id="256" r:id="rId2"/>
-    <p:sldId id="257" r:id="rId3"/>
+    <p:sldId id="256" r:id="rId3"/>
+    <p:sldId id="257" r:id="rId4"/>
   </p:sldIdLst>
   <p:sldSz cx="9144000" cy="6858000" type="screen4x3"/>
   <p:notesSz cx="6858000" cy="9144000"/>
+  <p:custDataLst>
+    <p:tags r:id="rId8"/>
+  </p:custDataLst>
   <p:defaultTextStyle>
     <a:defPPr>
       <a:defRPr lang="zh-CN"/>
@@ -105,6 +108,22 @@
       </a:defRPr>
     </a:lvl9pPr>
   </p:defaultTextStyle>
+  <p:extLst>
+    <p:ext uri="{EFAFB233-063F-42B5-8137-9DF3F51BA10A}">
+      <p15:sldGuideLst xmlns:p15="http://schemas.microsoft.com/office/powerpoint/2012/main">
+        <p15:guide id="1" orient="horz" pos="2160" userDrawn="1">
+          <p15:clr>
+            <a:srgbClr val="A4A3A4"/>
+          </p15:clr>
+        </p15:guide>
+        <p15:guide id="2" pos="2880" userDrawn="1">
+          <p15:clr>
+            <a:srgbClr val="A4A3A4"/>
+          </p15:clr>
+        </p15:guide>
+      </p15:sldGuideLst>
+    </p:ext>
+  </p:extLst>
 </p:presentation>
 </file>
 
@@ -289,7 +308,6 @@
           <a:p>
             <a:fld id="{530820CF-B880-4189-942D-D702A7CBA730}" type="datetimeFigureOut">
               <a:rPr lang="zh-CN" altLang="en-US" smtClean="0"/>
-              <a:t>2019/9/7</a:t>
             </a:fld>
             <a:endParaRPr lang="zh-CN" altLang="en-US"/>
           </a:p>
@@ -331,7 +349,6 @@
           <a:p>
             <a:fld id="{0C913308-F349-4B6D-A68A-DD1791B4A57B}" type="slidenum">
               <a:rPr lang="zh-CN" altLang="en-US" smtClean="0"/>
-              <a:t>‹#›</a:t>
             </a:fld>
             <a:endParaRPr lang="zh-CN" altLang="en-US"/>
           </a:p>
@@ -405,6 +422,7 @@
               <a:rPr lang="zh-CN" altLang="en-US" smtClean="0"/>
               <a:t>单击此处编辑母版文本样式</a:t>
             </a:r>
+            <a:endParaRPr lang="zh-CN" altLang="en-US" smtClean="0"/>
           </a:p>
           <a:p>
             <a:pPr lvl="1"/>
@@ -412,6 +430,7 @@
               <a:rPr lang="zh-CN" altLang="en-US" smtClean="0"/>
               <a:t>第二级</a:t>
             </a:r>
+            <a:endParaRPr lang="zh-CN" altLang="en-US" smtClean="0"/>
           </a:p>
           <a:p>
             <a:pPr lvl="2"/>
@@ -419,6 +438,7 @@
               <a:rPr lang="zh-CN" altLang="en-US" smtClean="0"/>
               <a:t>第三级</a:t>
             </a:r>
+            <a:endParaRPr lang="zh-CN" altLang="en-US" smtClean="0"/>
           </a:p>
           <a:p>
             <a:pPr lvl="3"/>
@@ -426,6 +446,7 @@
               <a:rPr lang="zh-CN" altLang="en-US" smtClean="0"/>
               <a:t>第四级</a:t>
             </a:r>
+            <a:endParaRPr lang="zh-CN" altLang="en-US" smtClean="0"/>
           </a:p>
           <a:p>
             <a:pPr lvl="4"/>
@@ -454,7 +475,6 @@
           <a:p>
             <a:fld id="{530820CF-B880-4189-942D-D702A7CBA730}" type="datetimeFigureOut">
               <a:rPr lang="zh-CN" altLang="en-US" smtClean="0"/>
-              <a:t>2019/9/7</a:t>
             </a:fld>
             <a:endParaRPr lang="zh-CN" altLang="en-US"/>
           </a:p>
@@ -496,7 +516,6 @@
           <a:p>
             <a:fld id="{0C913308-F349-4B6D-A68A-DD1791B4A57B}" type="slidenum">
               <a:rPr lang="zh-CN" altLang="en-US" smtClean="0"/>
-              <a:t>‹#›</a:t>
             </a:fld>
             <a:endParaRPr lang="zh-CN" altLang="en-US"/>
           </a:p>
@@ -580,6 +599,7 @@
               <a:rPr lang="zh-CN" altLang="en-US" smtClean="0"/>
               <a:t>单击此处编辑母版文本样式</a:t>
             </a:r>
+            <a:endParaRPr lang="zh-CN" altLang="en-US" smtClean="0"/>
           </a:p>
           <a:p>
             <a:pPr lvl="1"/>
@@ -587,6 +607,7 @@
               <a:rPr lang="zh-CN" altLang="en-US" smtClean="0"/>
               <a:t>第二级</a:t>
             </a:r>
+            <a:endParaRPr lang="zh-CN" altLang="en-US" smtClean="0"/>
           </a:p>
           <a:p>
             <a:pPr lvl="2"/>
@@ -594,6 +615,7 @@
               <a:rPr lang="zh-CN" altLang="en-US" smtClean="0"/>
               <a:t>第三级</a:t>
             </a:r>
+            <a:endParaRPr lang="zh-CN" altLang="en-US" smtClean="0"/>
           </a:p>
           <a:p>
             <a:pPr lvl="3"/>
@@ -601,6 +623,7 @@
               <a:rPr lang="zh-CN" altLang="en-US" smtClean="0"/>
               <a:t>第四级</a:t>
             </a:r>
+            <a:endParaRPr lang="zh-CN" altLang="en-US" smtClean="0"/>
           </a:p>
           <a:p>
             <a:pPr lvl="4"/>
@@ -629,7 +652,6 @@
           <a:p>
             <a:fld id="{530820CF-B880-4189-942D-D702A7CBA730}" type="datetimeFigureOut">
               <a:rPr lang="zh-CN" altLang="en-US" smtClean="0"/>
-              <a:t>2019/9/7</a:t>
             </a:fld>
             <a:endParaRPr lang="zh-CN" altLang="en-US"/>
           </a:p>
@@ -671,7 +693,6 @@
           <a:p>
             <a:fld id="{0C913308-F349-4B6D-A68A-DD1791B4A57B}" type="slidenum">
               <a:rPr lang="zh-CN" altLang="en-US" smtClean="0"/>
-              <a:t>‹#›</a:t>
             </a:fld>
             <a:endParaRPr lang="zh-CN" altLang="en-US"/>
           </a:p>
@@ -745,6 +766,7 @@
               <a:rPr lang="zh-CN" altLang="en-US" smtClean="0"/>
               <a:t>单击此处编辑母版文本样式</a:t>
             </a:r>
+            <a:endParaRPr lang="zh-CN" altLang="en-US" smtClean="0"/>
           </a:p>
           <a:p>
             <a:pPr lvl="1"/>
@@ -752,6 +774,7 @@
               <a:rPr lang="zh-CN" altLang="en-US" smtClean="0"/>
               <a:t>第二级</a:t>
             </a:r>
+            <a:endParaRPr lang="zh-CN" altLang="en-US" smtClean="0"/>
           </a:p>
           <a:p>
             <a:pPr lvl="2"/>
@@ -759,6 +782,7 @@
               <a:rPr lang="zh-CN" altLang="en-US" smtClean="0"/>
               <a:t>第三级</a:t>
             </a:r>
+            <a:endParaRPr lang="zh-CN" altLang="en-US" smtClean="0"/>
           </a:p>
           <a:p>
             <a:pPr lvl="3"/>
@@ -766,6 +790,7 @@
               <a:rPr lang="zh-CN" altLang="en-US" smtClean="0"/>
               <a:t>第四级</a:t>
             </a:r>
+            <a:endParaRPr lang="zh-CN" altLang="en-US" smtClean="0"/>
           </a:p>
           <a:p>
             <a:pPr lvl="4"/>
@@ -794,7 +819,6 @@
           <a:p>
             <a:fld id="{530820CF-B880-4189-942D-D702A7CBA730}" type="datetimeFigureOut">
               <a:rPr lang="zh-CN" altLang="en-US" smtClean="0"/>
-              <a:t>2019/9/7</a:t>
             </a:fld>
             <a:endParaRPr lang="zh-CN" altLang="en-US"/>
           </a:p>
@@ -836,7 +860,6 @@
           <a:p>
             <a:fld id="{0C913308-F349-4B6D-A68A-DD1791B4A57B}" type="slidenum">
               <a:rPr lang="zh-CN" altLang="en-US" smtClean="0"/>
-              <a:t>‹#›</a:t>
             </a:fld>
             <a:endParaRPr lang="zh-CN" altLang="en-US"/>
           </a:p>
@@ -1015,6 +1038,7 @@
               <a:rPr lang="zh-CN" altLang="en-US" smtClean="0"/>
               <a:t>单击此处编辑母版文本样式</a:t>
             </a:r>
+            <a:endParaRPr lang="zh-CN" altLang="en-US" smtClean="0"/>
           </a:p>
         </p:txBody>
       </p:sp>
@@ -1035,7 +1059,6 @@
           <a:p>
             <a:fld id="{530820CF-B880-4189-942D-D702A7CBA730}" type="datetimeFigureOut">
               <a:rPr lang="zh-CN" altLang="en-US" smtClean="0"/>
-              <a:t>2019/9/7</a:t>
             </a:fld>
             <a:endParaRPr lang="zh-CN" altLang="en-US"/>
           </a:p>
@@ -1077,7 +1100,6 @@
           <a:p>
             <a:fld id="{0C913308-F349-4B6D-A68A-DD1791B4A57B}" type="slidenum">
               <a:rPr lang="zh-CN" altLang="en-US" smtClean="0"/>
-              <a:t>‹#›</a:t>
             </a:fld>
             <a:endParaRPr lang="zh-CN" altLang="en-US"/>
           </a:p>
@@ -1184,6 +1206,7 @@
               <a:rPr lang="zh-CN" altLang="en-US" smtClean="0"/>
               <a:t>单击此处编辑母版文本样式</a:t>
             </a:r>
+            <a:endParaRPr lang="zh-CN" altLang="en-US" smtClean="0"/>
           </a:p>
           <a:p>
             <a:pPr lvl="1"/>
@@ -1191,6 +1214,7 @@
               <a:rPr lang="zh-CN" altLang="en-US" smtClean="0"/>
               <a:t>第二级</a:t>
             </a:r>
+            <a:endParaRPr lang="zh-CN" altLang="en-US" smtClean="0"/>
           </a:p>
           <a:p>
             <a:pPr lvl="2"/>
@@ -1198,6 +1222,7 @@
               <a:rPr lang="zh-CN" altLang="en-US" smtClean="0"/>
               <a:t>第三级</a:t>
             </a:r>
+            <a:endParaRPr lang="zh-CN" altLang="en-US" smtClean="0"/>
           </a:p>
           <a:p>
             <a:pPr lvl="3"/>
@@ -1205,6 +1230,7 @@
               <a:rPr lang="zh-CN" altLang="en-US" smtClean="0"/>
               <a:t>第四级</a:t>
             </a:r>
+            <a:endParaRPr lang="zh-CN" altLang="en-US" smtClean="0"/>
           </a:p>
           <a:p>
             <a:pPr lvl="4"/>
@@ -1269,6 +1295,7 @@
               <a:rPr lang="zh-CN" altLang="en-US" smtClean="0"/>
               <a:t>单击此处编辑母版文本样式</a:t>
             </a:r>
+            <a:endParaRPr lang="zh-CN" altLang="en-US" smtClean="0"/>
           </a:p>
           <a:p>
             <a:pPr lvl="1"/>
@@ -1276,6 +1303,7 @@
               <a:rPr lang="zh-CN" altLang="en-US" smtClean="0"/>
               <a:t>第二级</a:t>
             </a:r>
+            <a:endParaRPr lang="zh-CN" altLang="en-US" smtClean="0"/>
           </a:p>
           <a:p>
             <a:pPr lvl="2"/>
@@ -1283,6 +1311,7 @@
               <a:rPr lang="zh-CN" altLang="en-US" smtClean="0"/>
               <a:t>第三级</a:t>
             </a:r>
+            <a:endParaRPr lang="zh-CN" altLang="en-US" smtClean="0"/>
           </a:p>
           <a:p>
             <a:pPr lvl="3"/>
@@ -1290,6 +1319,7 @@
               <a:rPr lang="zh-CN" altLang="en-US" smtClean="0"/>
               <a:t>第四级</a:t>
             </a:r>
+            <a:endParaRPr lang="zh-CN" altLang="en-US" smtClean="0"/>
           </a:p>
           <a:p>
             <a:pPr lvl="4"/>
@@ -1318,7 +1348,6 @@
           <a:p>
             <a:fld id="{530820CF-B880-4189-942D-D702A7CBA730}" type="datetimeFigureOut">
               <a:rPr lang="zh-CN" altLang="en-US" smtClean="0"/>
-              <a:t>2019/9/7</a:t>
             </a:fld>
             <a:endParaRPr lang="zh-CN" altLang="en-US"/>
           </a:p>
@@ -1360,7 +1389,6 @@
           <a:p>
             <a:fld id="{0C913308-F349-4B6D-A68A-DD1791B4A57B}" type="slidenum">
               <a:rPr lang="zh-CN" altLang="en-US" smtClean="0"/>
-              <a:t>‹#›</a:t>
             </a:fld>
             <a:endParaRPr lang="zh-CN" altLang="en-US"/>
           </a:p>
@@ -1480,6 +1508,7 @@
               <a:rPr lang="zh-CN" altLang="en-US" smtClean="0"/>
               <a:t>单击此处编辑母版文本样式</a:t>
             </a:r>
+            <a:endParaRPr lang="zh-CN" altLang="en-US" smtClean="0"/>
           </a:p>
         </p:txBody>
       </p:sp>
@@ -1536,6 +1565,7 @@
               <a:rPr lang="zh-CN" altLang="en-US" smtClean="0"/>
               <a:t>单击此处编辑母版文本样式</a:t>
             </a:r>
+            <a:endParaRPr lang="zh-CN" altLang="en-US" smtClean="0"/>
           </a:p>
           <a:p>
             <a:pPr lvl="1"/>
@@ -1543,6 +1573,7 @@
               <a:rPr lang="zh-CN" altLang="en-US" smtClean="0"/>
               <a:t>第二级</a:t>
             </a:r>
+            <a:endParaRPr lang="zh-CN" altLang="en-US" smtClean="0"/>
           </a:p>
           <a:p>
             <a:pPr lvl="2"/>
@@ -1550,6 +1581,7 @@
               <a:rPr lang="zh-CN" altLang="en-US" smtClean="0"/>
               <a:t>第三级</a:t>
             </a:r>
+            <a:endParaRPr lang="zh-CN" altLang="en-US" smtClean="0"/>
           </a:p>
           <a:p>
             <a:pPr lvl="3"/>
@@ -1557,6 +1589,7 @@
               <a:rPr lang="zh-CN" altLang="en-US" smtClean="0"/>
               <a:t>第四级</a:t>
             </a:r>
+            <a:endParaRPr lang="zh-CN" altLang="en-US" smtClean="0"/>
           </a:p>
           <a:p>
             <a:pPr lvl="4"/>
@@ -1630,6 +1663,7 @@
               <a:rPr lang="zh-CN" altLang="en-US" smtClean="0"/>
               <a:t>单击此处编辑母版文本样式</a:t>
             </a:r>
+            <a:endParaRPr lang="zh-CN" altLang="en-US" smtClean="0"/>
           </a:p>
         </p:txBody>
       </p:sp>
@@ -1686,6 +1720,7 @@
               <a:rPr lang="zh-CN" altLang="en-US" smtClean="0"/>
               <a:t>单击此处编辑母版文本样式</a:t>
             </a:r>
+            <a:endParaRPr lang="zh-CN" altLang="en-US" smtClean="0"/>
           </a:p>
           <a:p>
             <a:pPr lvl="1"/>
@@ -1693,6 +1728,7 @@
               <a:rPr lang="zh-CN" altLang="en-US" smtClean="0"/>
               <a:t>第二级</a:t>
             </a:r>
+            <a:endParaRPr lang="zh-CN" altLang="en-US" smtClean="0"/>
           </a:p>
           <a:p>
             <a:pPr lvl="2"/>
@@ -1700,6 +1736,7 @@
               <a:rPr lang="zh-CN" altLang="en-US" smtClean="0"/>
               <a:t>第三级</a:t>
             </a:r>
+            <a:endParaRPr lang="zh-CN" altLang="en-US" smtClean="0"/>
           </a:p>
           <a:p>
             <a:pPr lvl="3"/>
@@ -1707,6 +1744,7 @@
               <a:rPr lang="zh-CN" altLang="en-US" smtClean="0"/>
               <a:t>第四级</a:t>
             </a:r>
+            <a:endParaRPr lang="zh-CN" altLang="en-US" smtClean="0"/>
           </a:p>
           <a:p>
             <a:pPr lvl="4"/>
@@ -1735,7 +1773,6 @@
           <a:p>
             <a:fld id="{530820CF-B880-4189-942D-D702A7CBA730}" type="datetimeFigureOut">
               <a:rPr lang="zh-CN" altLang="en-US" smtClean="0"/>
-              <a:t>2019/9/7</a:t>
             </a:fld>
             <a:endParaRPr lang="zh-CN" altLang="en-US"/>
           </a:p>
@@ -1777,7 +1814,6 @@
           <a:p>
             <a:fld id="{0C913308-F349-4B6D-A68A-DD1791B4A57B}" type="slidenum">
               <a:rPr lang="zh-CN" altLang="en-US" smtClean="0"/>
-              <a:t>‹#›</a:t>
             </a:fld>
             <a:endParaRPr lang="zh-CN" altLang="en-US"/>
           </a:p>
@@ -1848,7 +1884,6 @@
           <a:p>
             <a:fld id="{530820CF-B880-4189-942D-D702A7CBA730}" type="datetimeFigureOut">
               <a:rPr lang="zh-CN" altLang="en-US" smtClean="0"/>
-              <a:t>2019/9/7</a:t>
             </a:fld>
             <a:endParaRPr lang="zh-CN" altLang="en-US"/>
           </a:p>
@@ -1890,7 +1925,6 @@
           <a:p>
             <a:fld id="{0C913308-F349-4B6D-A68A-DD1791B4A57B}" type="slidenum">
               <a:rPr lang="zh-CN" altLang="en-US" smtClean="0"/>
-              <a:t>‹#›</a:t>
             </a:fld>
             <a:endParaRPr lang="zh-CN" altLang="en-US"/>
           </a:p>
@@ -1938,7 +1972,6 @@
           <a:p>
             <a:fld id="{530820CF-B880-4189-942D-D702A7CBA730}" type="datetimeFigureOut">
               <a:rPr lang="zh-CN" altLang="en-US" smtClean="0"/>
-              <a:t>2019/9/7</a:t>
             </a:fld>
             <a:endParaRPr lang="zh-CN" altLang="en-US"/>
           </a:p>
@@ -1980,7 +2013,6 @@
           <a:p>
             <a:fld id="{0C913308-F349-4B6D-A68A-DD1791B4A57B}" type="slidenum">
               <a:rPr lang="zh-CN" altLang="en-US" smtClean="0"/>
-              <a:t>‹#›</a:t>
             </a:fld>
             <a:endParaRPr lang="zh-CN" altLang="en-US"/>
           </a:p>
@@ -2096,6 +2128,7 @@
               <a:rPr lang="zh-CN" altLang="en-US" smtClean="0"/>
               <a:t>单击此处编辑母版文本样式</a:t>
             </a:r>
+            <a:endParaRPr lang="zh-CN" altLang="en-US" smtClean="0"/>
           </a:p>
           <a:p>
             <a:pPr lvl="1"/>
@@ -2103,6 +2136,7 @@
               <a:rPr lang="zh-CN" altLang="en-US" smtClean="0"/>
               <a:t>第二级</a:t>
             </a:r>
+            <a:endParaRPr lang="zh-CN" altLang="en-US" smtClean="0"/>
           </a:p>
           <a:p>
             <a:pPr lvl="2"/>
@@ -2110,6 +2144,7 @@
               <a:rPr lang="zh-CN" altLang="en-US" smtClean="0"/>
               <a:t>第三级</a:t>
             </a:r>
+            <a:endParaRPr lang="zh-CN" altLang="en-US" smtClean="0"/>
           </a:p>
           <a:p>
             <a:pPr lvl="3"/>
@@ -2117,6 +2152,7 @@
               <a:rPr lang="zh-CN" altLang="en-US" smtClean="0"/>
               <a:t>第四级</a:t>
             </a:r>
+            <a:endParaRPr lang="zh-CN" altLang="en-US" smtClean="0"/>
           </a:p>
           <a:p>
             <a:pPr lvl="4"/>
@@ -2190,6 +2226,7 @@
               <a:rPr lang="zh-CN" altLang="en-US" smtClean="0"/>
               <a:t>单击此处编辑母版文本样式</a:t>
             </a:r>
+            <a:endParaRPr lang="zh-CN" altLang="en-US" smtClean="0"/>
           </a:p>
         </p:txBody>
       </p:sp>
@@ -2210,7 +2247,6 @@
           <a:p>
             <a:fld id="{530820CF-B880-4189-942D-D702A7CBA730}" type="datetimeFigureOut">
               <a:rPr lang="zh-CN" altLang="en-US" smtClean="0"/>
-              <a:t>2019/9/7</a:t>
             </a:fld>
             <a:endParaRPr lang="zh-CN" altLang="en-US"/>
           </a:p>
@@ -2252,7 +2288,6 @@
           <a:p>
             <a:fld id="{0C913308-F349-4B6D-A68A-DD1791B4A57B}" type="slidenum">
               <a:rPr lang="zh-CN" altLang="en-US" smtClean="0"/>
-              <a:t>‹#›</a:t>
             </a:fld>
             <a:endParaRPr lang="zh-CN" altLang="en-US"/>
           </a:p>
@@ -2438,6 +2473,7 @@
               <a:rPr lang="zh-CN" altLang="en-US" smtClean="0"/>
               <a:t>单击此处编辑母版文本样式</a:t>
             </a:r>
+            <a:endParaRPr lang="zh-CN" altLang="en-US" smtClean="0"/>
           </a:p>
         </p:txBody>
       </p:sp>
@@ -2458,7 +2494,6 @@
           <a:p>
             <a:fld id="{530820CF-B880-4189-942D-D702A7CBA730}" type="datetimeFigureOut">
               <a:rPr lang="zh-CN" altLang="en-US" smtClean="0"/>
-              <a:t>2019/9/7</a:t>
             </a:fld>
             <a:endParaRPr lang="zh-CN" altLang="en-US"/>
           </a:p>
@@ -2500,7 +2535,6 @@
           <a:p>
             <a:fld id="{0C913308-F349-4B6D-A68A-DD1791B4A57B}" type="slidenum">
               <a:rPr lang="zh-CN" altLang="en-US" smtClean="0"/>
-              <a:t>‹#›</a:t>
             </a:fld>
             <a:endParaRPr lang="zh-CN" altLang="en-US"/>
           </a:p>
@@ -2599,6 +2633,7 @@
               <a:rPr lang="zh-CN" altLang="en-US" smtClean="0"/>
               <a:t>单击此处编辑母版文本样式</a:t>
             </a:r>
+            <a:endParaRPr lang="zh-CN" altLang="en-US" smtClean="0"/>
           </a:p>
           <a:p>
             <a:pPr lvl="1"/>
@@ -2606,6 +2641,7 @@
               <a:rPr lang="zh-CN" altLang="en-US" smtClean="0"/>
               <a:t>第二级</a:t>
             </a:r>
+            <a:endParaRPr lang="zh-CN" altLang="en-US" smtClean="0"/>
           </a:p>
           <a:p>
             <a:pPr lvl="2"/>
@@ -2613,6 +2649,7 @@
               <a:rPr lang="zh-CN" altLang="en-US" smtClean="0"/>
               <a:t>第三级</a:t>
             </a:r>
+            <a:endParaRPr lang="zh-CN" altLang="en-US" smtClean="0"/>
           </a:p>
           <a:p>
             <a:pPr lvl="3"/>
@@ -2620,6 +2657,7 @@
               <a:rPr lang="zh-CN" altLang="en-US" smtClean="0"/>
               <a:t>第四级</a:t>
             </a:r>
+            <a:endParaRPr lang="zh-CN" altLang="en-US" smtClean="0"/>
           </a:p>
           <a:p>
             <a:pPr lvl="4"/>
@@ -2666,7 +2704,6 @@
           <a:p>
             <a:fld id="{530820CF-B880-4189-942D-D702A7CBA730}" type="datetimeFigureOut">
               <a:rPr lang="zh-CN" altLang="en-US" smtClean="0"/>
-              <a:t>2019/9/7</a:t>
             </a:fld>
             <a:endParaRPr lang="zh-CN" altLang="en-US"/>
           </a:p>
@@ -2744,7 +2781,6 @@
           <a:p>
             <a:fld id="{0C913308-F349-4B6D-A68A-DD1791B4A57B}" type="slidenum">
               <a:rPr lang="zh-CN" altLang="en-US" smtClean="0"/>
-              <a:t>‹#›</a:t>
             </a:fld>
             <a:endParaRPr lang="zh-CN" altLang="en-US"/>
           </a:p>
@@ -2788,7 +2824,7 @@
         <a:spcBef>
           <a:spcPct val="20000"/>
         </a:spcBef>
-        <a:buFont typeface="Arial" pitchFamily="34" charset="0"/>
+        <a:buFont typeface="Arial" panose="020B0604020202020204" pitchFamily="34" charset="0"/>
         <a:buChar char="•"/>
         <a:defRPr sz="3200" kern="1200">
           <a:solidFill>
@@ -2803,7 +2839,7 @@
         <a:spcBef>
           <a:spcPct val="20000"/>
         </a:spcBef>
-        <a:buFont typeface="Arial" pitchFamily="34" charset="0"/>
+        <a:buFont typeface="Arial" panose="020B0604020202020204" pitchFamily="34" charset="0"/>
         <a:buChar char="–"/>
         <a:defRPr sz="2800" kern="1200">
           <a:solidFill>
@@ -2818,7 +2854,7 @@
         <a:spcBef>
           <a:spcPct val="20000"/>
         </a:spcBef>
-        <a:buFont typeface="Arial" pitchFamily="34" charset="0"/>
+        <a:buFont typeface="Arial" panose="020B0604020202020204" pitchFamily="34" charset="0"/>
         <a:buChar char="•"/>
         <a:defRPr sz="2400" kern="1200">
           <a:solidFill>
@@ -2833,7 +2869,7 @@
         <a:spcBef>
           <a:spcPct val="20000"/>
         </a:spcBef>
-        <a:buFont typeface="Arial" pitchFamily="34" charset="0"/>
+        <a:buFont typeface="Arial" panose="020B0604020202020204" pitchFamily="34" charset="0"/>
         <a:buChar char="–"/>
         <a:defRPr sz="2000" kern="1200">
           <a:solidFill>
@@ -2848,7 +2884,7 @@
         <a:spcBef>
           <a:spcPct val="20000"/>
         </a:spcBef>
-        <a:buFont typeface="Arial" pitchFamily="34" charset="0"/>
+        <a:buFont typeface="Arial" panose="020B0604020202020204" pitchFamily="34" charset="0"/>
         <a:buChar char="»"/>
         <a:defRPr sz="2000" kern="1200">
           <a:solidFill>
@@ -2863,7 +2899,7 @@
         <a:spcBef>
           <a:spcPct val="20000"/>
         </a:spcBef>
-        <a:buFont typeface="Arial" pitchFamily="34" charset="0"/>
+        <a:buFont typeface="Arial" panose="020B0604020202020204" pitchFamily="34" charset="0"/>
         <a:buChar char="•"/>
         <a:defRPr sz="2000" kern="1200">
           <a:solidFill>
@@ -2878,7 +2914,7 @@
         <a:spcBef>
           <a:spcPct val="20000"/>
         </a:spcBef>
-        <a:buFont typeface="Arial" pitchFamily="34" charset="0"/>
+        <a:buFont typeface="Arial" panose="020B0604020202020204" pitchFamily="34" charset="0"/>
         <a:buChar char="•"/>
         <a:defRPr sz="2000" kern="1200">
           <a:solidFill>
@@ -2893,7 +2929,7 @@
         <a:spcBef>
           <a:spcPct val="20000"/>
         </a:spcBef>
-        <a:buFont typeface="Arial" pitchFamily="34" charset="0"/>
+        <a:buFont typeface="Arial" panose="020B0604020202020204" pitchFamily="34" charset="0"/>
         <a:buChar char="•"/>
         <a:defRPr sz="2000" kern="1200">
           <a:solidFill>
@@ -2908,7 +2944,7 @@
         <a:spcBef>
           <a:spcPct val="20000"/>
         </a:spcBef>
-        <a:buFont typeface="Arial" pitchFamily="34" charset="0"/>
+        <a:buFont typeface="Arial" panose="020B0604020202020204" pitchFamily="34" charset="0"/>
         <a:buChar char="•"/>
         <a:defRPr sz="2000" kern="1200">
           <a:solidFill>
@@ -3045,7 +3081,7 @@
           <p:nvPr/>
         </p:nvPicPr>
         <p:blipFill>
-          <a:blip r:embed="rId2" cstate="print">
+          <a:blip r:embed="rId1" cstate="print">
             <a:extLst>
               <a:ext uri="{28A0092B-C50C-407E-A947-70E740481C1C}">
                 <a14:useLocalDpi xmlns:a14="http://schemas.microsoft.com/office/drawing/2010/main" val="0"/>
@@ -3086,7 +3122,7 @@
           <p:nvPr/>
         </p:nvPicPr>
         <p:blipFill>
-          <a:blip r:embed="rId3" cstate="print">
+          <a:blip r:embed="rId2" cstate="print">
             <a:extLst>
               <a:ext uri="{28A0092B-C50C-407E-A947-70E740481C1C}">
                 <a14:useLocalDpi xmlns:a14="http://schemas.microsoft.com/office/drawing/2010/main" val="0"/>
@@ -3127,7 +3163,7 @@
           <p:nvPr/>
         </p:nvPicPr>
         <p:blipFill>
-          <a:blip r:embed="rId4" cstate="print">
+          <a:blip r:embed="rId3" cstate="print">
             <a:extLst>
               <a:ext uri="{28A0092B-C50C-407E-A947-70E740481C1C}">
                 <a14:useLocalDpi xmlns:a14="http://schemas.microsoft.com/office/drawing/2010/main" val="0"/>
@@ -3168,7 +3204,7 @@
           <p:nvPr/>
         </p:nvPicPr>
         <p:blipFill>
-          <a:blip r:embed="rId5" cstate="print">
+          <a:blip r:embed="rId4" cstate="print">
             <a:extLst>
               <a:ext uri="{28A0092B-C50C-407E-A947-70E740481C1C}">
                 <a14:useLocalDpi xmlns:a14="http://schemas.microsoft.com/office/drawing/2010/main" val="0"/>
@@ -3209,7 +3245,7 @@
           <p:nvPr/>
         </p:nvPicPr>
         <p:blipFill>
-          <a:blip r:embed="rId6" cstate="print">
+          <a:blip r:embed="rId5" cstate="print">
             <a:extLst>
               <a:ext uri="{28A0092B-C50C-407E-A947-70E740481C1C}">
                 <a14:useLocalDpi xmlns:a14="http://schemas.microsoft.com/office/drawing/2010/main" val="0"/>
@@ -3250,7 +3286,7 @@
           <p:nvPr/>
         </p:nvPicPr>
         <p:blipFill>
-          <a:blip r:embed="rId7" cstate="print">
+          <a:blip r:embed="rId6" cstate="print">
             <a:extLst>
               <a:ext uri="{28A0092B-C50C-407E-A947-70E740481C1C}">
                 <a14:useLocalDpi xmlns:a14="http://schemas.microsoft.com/office/drawing/2010/main" val="0"/>
@@ -3516,21 +3552,21 @@
           <a:p>
             <a:r>
               <a:rPr lang="zh-CN" altLang="en-US" sz="1200" dirty="0" smtClean="0">
-                <a:latin typeface="微软雅黑" pitchFamily="34" charset="-122"/>
-                <a:ea typeface="微软雅黑" pitchFamily="34" charset="-122"/>
+                <a:latin typeface="微软雅黑" panose="020B0503020204020204" pitchFamily="34" charset="-122"/>
+                <a:ea typeface="微软雅黑" panose="020B0503020204020204" pitchFamily="34" charset="-122"/>
               </a:rPr>
               <a:t>前端请求全部发送到 </a:t>
             </a:r>
             <a:r>
               <a:rPr lang="en-US" altLang="zh-CN" sz="1200" dirty="0" err="1" smtClean="0">
-                <a:latin typeface="微软雅黑" pitchFamily="34" charset="-122"/>
-                <a:ea typeface="微软雅黑" pitchFamily="34" charset="-122"/>
+                <a:latin typeface="微软雅黑" panose="020B0503020204020204" pitchFamily="34" charset="-122"/>
+                <a:ea typeface="微软雅黑" panose="020B0503020204020204" pitchFamily="34" charset="-122"/>
               </a:rPr>
               <a:t>nginx</a:t>
             </a:r>
             <a:endParaRPr lang="zh-CN" altLang="en-US" sz="1200" dirty="0">
-              <a:latin typeface="微软雅黑" pitchFamily="34" charset="-122"/>
-              <a:ea typeface="微软雅黑" pitchFamily="34" charset="-122"/>
+              <a:latin typeface="微软雅黑" panose="020B0503020204020204" pitchFamily="34" charset="-122"/>
+              <a:ea typeface="微软雅黑" panose="020B0503020204020204" pitchFamily="34" charset="-122"/>
             </a:endParaRPr>
           </a:p>
         </p:txBody>
@@ -3559,45 +3595,40 @@
           <a:p>
             <a:r>
               <a:rPr lang="zh-CN" altLang="en-US" sz="1200" dirty="0" smtClean="0">
-                <a:latin typeface="微软雅黑" pitchFamily="34" charset="-122"/>
-                <a:ea typeface="微软雅黑" pitchFamily="34" charset="-122"/>
+                <a:latin typeface="微软雅黑" panose="020B0503020204020204" pitchFamily="34" charset="-122"/>
+                <a:ea typeface="微软雅黑" panose="020B0503020204020204" pitchFamily="34" charset="-122"/>
               </a:rPr>
               <a:t>静态资源 </a:t>
             </a:r>
             <a:r>
               <a:rPr lang="en-US" altLang="zh-CN" sz="1200" dirty="0" err="1" smtClean="0">
-                <a:latin typeface="微软雅黑" pitchFamily="34" charset="-122"/>
-                <a:ea typeface="微软雅黑" pitchFamily="34" charset="-122"/>
+                <a:latin typeface="微软雅黑" panose="020B0503020204020204" pitchFamily="34" charset="-122"/>
+                <a:ea typeface="微软雅黑" panose="020B0503020204020204" pitchFamily="34" charset="-122"/>
               </a:rPr>
               <a:t>nginx</a:t>
             </a:r>
             <a:r>
               <a:rPr lang="en-US" altLang="zh-CN" sz="1200" dirty="0" smtClean="0">
-                <a:latin typeface="微软雅黑" pitchFamily="34" charset="-122"/>
-                <a:ea typeface="微软雅黑" pitchFamily="34" charset="-122"/>
+                <a:latin typeface="微软雅黑" panose="020B0503020204020204" pitchFamily="34" charset="-122"/>
+                <a:ea typeface="微软雅黑" panose="020B0503020204020204" pitchFamily="34" charset="-122"/>
               </a:rPr>
               <a:t> </a:t>
             </a:r>
             <a:r>
               <a:rPr lang="zh-CN" altLang="en-US" sz="1200" dirty="0" smtClean="0">
-                <a:latin typeface="微软雅黑" pitchFamily="34" charset="-122"/>
-                <a:ea typeface="微软雅黑" pitchFamily="34" charset="-122"/>
+                <a:latin typeface="微软雅黑" panose="020B0503020204020204" pitchFamily="34" charset="-122"/>
+                <a:ea typeface="微软雅黑" panose="020B0503020204020204" pitchFamily="34" charset="-122"/>
               </a:rPr>
               <a:t>直接处理</a:t>
             </a:r>
             <a:endParaRPr lang="zh-CN" altLang="en-US" sz="1200" dirty="0">
-              <a:latin typeface="微软雅黑" pitchFamily="34" charset="-122"/>
-              <a:ea typeface="微软雅黑" pitchFamily="34" charset="-122"/>
+              <a:latin typeface="微软雅黑" panose="020B0503020204020204" pitchFamily="34" charset="-122"/>
+              <a:ea typeface="微软雅黑" panose="020B0503020204020204" pitchFamily="34" charset="-122"/>
             </a:endParaRPr>
           </a:p>
         </p:txBody>
       </p:sp>
     </p:spTree>
-    <p:extLst>
-      <p:ext uri="{BB962C8B-B14F-4D97-AF65-F5344CB8AC3E}">
-        <p14:creationId xmlns:p14="http://schemas.microsoft.com/office/powerpoint/2010/main" val="2602402006"/>
-      </p:ext>
-    </p:extLst>
   </p:cSld>
   <p:clrMapOvr>
     <a:masterClrMapping/>
@@ -3637,7 +3668,7 @@
         </p:nvSpPr>
         <p:spPr>
           <a:xfrm>
-            <a:off x="1764804" y="3032956"/>
+            <a:off x="1835924" y="3825436"/>
             <a:ext cx="2124236" cy="792088"/>
           </a:xfrm>
           <a:prstGeom prst="rect">
@@ -3685,13 +3716,13 @@
       </p:sp>
       <p:sp>
         <p:nvSpPr>
-          <p:cNvPr id="18" name="矩形 17"/>
+          <p:cNvPr id="21" name="矩形 20"/>
           <p:cNvSpPr/>
           <p:nvPr/>
         </p:nvSpPr>
         <p:spPr>
           <a:xfrm>
-            <a:off x="1764804" y="4271764"/>
+            <a:off x="1835924" y="1794783"/>
             <a:ext cx="2124236" cy="792088"/>
           </a:xfrm>
           <a:prstGeom prst="rect">
@@ -3727,7 +3758,11 @@
             <a:pPr algn="ctr"/>
             <a:r>
               <a:rPr lang="en-US" altLang="zh-CN" dirty="0" err="1"/>
-              <a:t>nicefish-auth-shiro</a:t>
+              <a:t>nicefish</a:t>
+            </a:r>
+            <a:r>
+              <a:rPr lang="en-US" altLang="zh-CN" dirty="0"/>
+              <a:t>-shiro-rbac</a:t>
             </a:r>
             <a:endParaRPr lang="zh-CN" altLang="en-US" dirty="0"/>
           </a:p>
@@ -3735,13 +3770,13 @@
       </p:sp>
       <p:sp>
         <p:nvSpPr>
-          <p:cNvPr id="21" name="矩形 20"/>
+          <p:cNvPr id="22" name="矩形 21"/>
           <p:cNvSpPr/>
           <p:nvPr/>
         </p:nvSpPr>
         <p:spPr>
           <a:xfrm>
-            <a:off x="1764804" y="1794148"/>
+            <a:off x="4788629" y="2780861"/>
             <a:ext cx="2124236" cy="792088"/>
           </a:xfrm>
           <a:prstGeom prst="rect">
@@ -3777,60 +3812,6 @@
             <a:pPr algn="ctr"/>
             <a:r>
               <a:rPr lang="en-US" altLang="zh-CN" dirty="0" err="1"/>
-              <a:t>nicefish</a:t>
-            </a:r>
-            <a:r>
-              <a:rPr lang="en-US" altLang="zh-CN" dirty="0"/>
-              <a:t>-staff-org</a:t>
-            </a:r>
-            <a:endParaRPr lang="zh-CN" altLang="en-US" dirty="0"/>
-          </a:p>
-        </p:txBody>
-      </p:sp>
-      <p:sp>
-        <p:nvSpPr>
-          <p:cNvPr id="22" name="矩形 21"/>
-          <p:cNvSpPr/>
-          <p:nvPr/>
-        </p:nvSpPr>
-        <p:spPr>
-          <a:xfrm>
-            <a:off x="5005164" y="3032956"/>
-            <a:ext cx="2124236" cy="792088"/>
-          </a:xfrm>
-          <a:prstGeom prst="rect">
-            <a:avLst/>
-          </a:prstGeom>
-          <a:solidFill>
-            <a:srgbClr val="7030A0"/>
-          </a:solidFill>
-          <a:ln>
-            <a:noFill/>
-          </a:ln>
-        </p:spPr>
-        <p:style>
-          <a:lnRef idx="2">
-            <a:schemeClr val="accent1">
-              <a:shade val="50000"/>
-            </a:schemeClr>
-          </a:lnRef>
-          <a:fillRef idx="1">
-            <a:schemeClr val="accent1"/>
-          </a:fillRef>
-          <a:effectRef idx="0">
-            <a:schemeClr val="accent1"/>
-          </a:effectRef>
-          <a:fontRef idx="minor">
-            <a:schemeClr val="lt1"/>
-          </a:fontRef>
-        </p:style>
-        <p:txBody>
-          <a:bodyPr rtlCol="0" anchor="ctr"/>
-          <a:lstStyle/>
-          <a:p>
-            <a:pPr algn="ctr"/>
-            <a:r>
-              <a:rPr lang="en-US" altLang="zh-CN" dirty="0" err="1"/>
               <a:t>nicefish-cms</a:t>
             </a:r>
             <a:endParaRPr lang="zh-CN" altLang="en-US" dirty="0"/>
@@ -3848,43 +3829,8 @@
         </p:nvCxnSpPr>
         <p:spPr>
           <a:xfrm>
-            <a:off x="2826922" y="2586236"/>
-            <a:ext cx="0" cy="446720"/>
-          </a:xfrm>
-          <a:prstGeom prst="straightConnector1">
-            <a:avLst/>
-          </a:prstGeom>
-          <a:ln w="28575">
-            <a:tailEnd type="arrow"/>
-          </a:ln>
-        </p:spPr>
-        <p:style>
-          <a:lnRef idx="1">
-            <a:schemeClr val="accent1"/>
-          </a:lnRef>
-          <a:fillRef idx="0">
-            <a:schemeClr val="accent1"/>
-          </a:fillRef>
-          <a:effectRef idx="0">
-            <a:schemeClr val="accent1"/>
-          </a:effectRef>
-          <a:fontRef idx="minor">
-            <a:schemeClr val="tx1"/>
-          </a:fontRef>
-        </p:style>
-      </p:cxnSp>
-      <p:cxnSp>
-        <p:nvCxnSpPr>
-          <p:cNvPr id="24" name="直接箭头连接符 23"/>
-          <p:cNvCxnSpPr>
-            <a:stCxn id="18" idx="0"/>
-          </p:cNvCxnSpPr>
-          <p:nvPr/>
-        </p:nvCxnSpPr>
-        <p:spPr>
-          <a:xfrm flipV="1">
-            <a:off x="2826922" y="3861048"/>
-            <a:ext cx="0" cy="410716"/>
+            <a:off x="2898042" y="2586236"/>
+            <a:ext cx="0" cy="1238885"/>
           </a:xfrm>
           <a:prstGeom prst="straightConnector1">
             <a:avLst/>
@@ -3919,43 +3865,8 @@
         </p:nvCxnSpPr>
         <p:spPr>
           <a:xfrm flipH="1">
-            <a:off x="3889040" y="3429000"/>
-            <a:ext cx="1116124" cy="0"/>
-          </a:xfrm>
-          <a:prstGeom prst="straightConnector1">
-            <a:avLst/>
-          </a:prstGeom>
-          <a:ln w="28575">
-            <a:tailEnd type="arrow"/>
-          </a:ln>
-        </p:spPr>
-        <p:style>
-          <a:lnRef idx="1">
-            <a:schemeClr val="accent1"/>
-          </a:lnRef>
-          <a:fillRef idx="0">
-            <a:schemeClr val="accent1"/>
-          </a:fillRef>
-          <a:effectRef idx="0">
-            <a:schemeClr val="accent1"/>
-          </a:effectRef>
-          <a:fontRef idx="minor">
-            <a:schemeClr val="tx1"/>
-          </a:fontRef>
-        </p:style>
-      </p:cxnSp>
-      <p:cxnSp>
-        <p:nvCxnSpPr>
-          <p:cNvPr id="28" name="直接箭头连接符 27"/>
-          <p:cNvCxnSpPr>
-            <a:endCxn id="18" idx="3"/>
-          </p:cNvCxnSpPr>
-          <p:nvPr/>
-        </p:nvCxnSpPr>
-        <p:spPr>
-          <a:xfrm flipH="1">
-            <a:off x="3889040" y="3429000"/>
-            <a:ext cx="1116124" cy="1238808"/>
+            <a:off x="3959954" y="3176905"/>
+            <a:ext cx="828675" cy="1044575"/>
           </a:xfrm>
           <a:prstGeom prst="straightConnector1">
             <a:avLst/>
@@ -3990,8 +3901,8 @@
         </p:nvCxnSpPr>
         <p:spPr>
           <a:xfrm flipH="1" flipV="1">
-            <a:off x="3889040" y="2190192"/>
-            <a:ext cx="1116124" cy="1238808"/>
+            <a:off x="3959954" y="2190750"/>
+            <a:ext cx="828675" cy="986155"/>
           </a:xfrm>
           <a:prstGeom prst="straightConnector1">
             <a:avLst/>
@@ -4016,11 +3927,6 @@
         </p:style>
       </p:cxnSp>
     </p:spTree>
-    <p:extLst>
-      <p:ext uri="{BB962C8B-B14F-4D97-AF65-F5344CB8AC3E}">
-        <p14:creationId xmlns:p14="http://schemas.microsoft.com/office/powerpoint/2010/main" val="3972849702"/>
-      </p:ext>
-    </p:extLst>
   </p:cSld>
   <p:clrMapOvr>
     <a:masterClrMapping/>
@@ -4033,6 +3939,12 @@
     </p:tnLst>
   </p:timing>
 </p:sld>
+</file>
+
+<file path=ppt/tags/tag1.xml><?xml version="1.0" encoding="utf-8"?>
+<p:tagLst xmlns:p="http://schemas.openxmlformats.org/presentationml/2006/main">
+  <p:tag name="COMMONDATA" val="eyJoZGlkIjoiODI5NmU1MzU3MTZjMGExODM0NTRhZDIwOWE1NTFkNjAifQ=="/>
+</p:tagLst>
 </file>
 
 <file path=ppt/theme/theme1.xml><?xml version="1.0" encoding="utf-8"?>
@@ -4313,7 +4225,10 @@
       </a:bgFillStyleLst>
     </a:fmtScheme>
   </a:themeElements>
-  <a:objectDefaults/>
-  <a:extraClrSchemeLst/>
+  <a:extLst>
+    <a:ext uri="{05A4C25C-085E-4340-85A3-A5531E510DB2}">
+      <thm15:themeFamily xmlns:thm15="http://schemas.microsoft.com/office/thememl/2012/main" name="Office Theme" id="{62F939B6-93AF-4DB8-9C6B-D6C7DFDC589F}" vid="{4A3C46E8-61CC-4603-A589-7422A47A8E4A}"/>
+    </a:ext>
+  </a:extLst>
 </a:theme>
 </file>
--- a/docs/画图用的PPT.pptx
+++ b/docs/画图用的PPT.pptx
@@ -3668,7 +3668,7 @@
         </p:nvSpPr>
         <p:spPr>
           <a:xfrm>
-            <a:off x="1835924" y="3825436"/>
+            <a:off x="1115199" y="3716851"/>
             <a:ext cx="2124236" cy="792088"/>
           </a:xfrm>
           <a:prstGeom prst="rect">
@@ -3722,7 +3722,7 @@
         </p:nvSpPr>
         <p:spPr>
           <a:xfrm>
-            <a:off x="1835924" y="1794783"/>
+            <a:off x="1115199" y="1686198"/>
             <a:ext cx="2124236" cy="792088"/>
           </a:xfrm>
           <a:prstGeom prst="rect">
@@ -3776,14 +3776,16 @@
         </p:nvSpPr>
         <p:spPr>
           <a:xfrm>
-            <a:off x="4788629" y="2780861"/>
+            <a:off x="4067904" y="2672276"/>
             <a:ext cx="2124236" cy="792088"/>
           </a:xfrm>
           <a:prstGeom prst="rect">
             <a:avLst/>
           </a:prstGeom>
           <a:solidFill>
-            <a:srgbClr val="7030A0"/>
+            <a:schemeClr val="accent6">
+              <a:lumMod val="75000"/>
+            </a:schemeClr>
           </a:solidFill>
           <a:ln>
             <a:noFill/>
@@ -3829,7 +3831,7 @@
         </p:nvCxnSpPr>
         <p:spPr>
           <a:xfrm>
-            <a:off x="2898042" y="2586236"/>
+            <a:off x="2177317" y="2477651"/>
             <a:ext cx="0" cy="1238885"/>
           </a:xfrm>
           <a:prstGeom prst="straightConnector1">
@@ -3865,7 +3867,7 @@
         </p:nvCxnSpPr>
         <p:spPr>
           <a:xfrm flipH="1">
-            <a:off x="3959954" y="3176905"/>
+            <a:off x="3239229" y="3068320"/>
             <a:ext cx="828675" cy="1044575"/>
           </a:xfrm>
           <a:prstGeom prst="straightConnector1">
@@ -3901,13 +3903,239 @@
         </p:nvCxnSpPr>
         <p:spPr>
           <a:xfrm flipH="1" flipV="1">
-            <a:off x="3959954" y="2190750"/>
+            <a:off x="3239229" y="2082165"/>
             <a:ext cx="828675" cy="986155"/>
           </a:xfrm>
           <a:prstGeom prst="straightConnector1">
             <a:avLst/>
           </a:prstGeom>
           <a:ln w="28575">
+            <a:tailEnd type="arrow"/>
+          </a:ln>
+        </p:spPr>
+        <p:style>
+          <a:lnRef idx="1">
+            <a:schemeClr val="accent1"/>
+          </a:lnRef>
+          <a:fillRef idx="0">
+            <a:schemeClr val="accent1"/>
+          </a:fillRef>
+          <a:effectRef idx="0">
+            <a:schemeClr val="accent1"/>
+          </a:effectRef>
+          <a:fontRef idx="minor">
+            <a:schemeClr val="tx1"/>
+          </a:fontRef>
+        </p:style>
+      </p:cxnSp>
+      <p:sp>
+        <p:nvSpPr>
+          <p:cNvPr id="2" name="矩形 1"/>
+          <p:cNvSpPr/>
+          <p:nvPr>
+            <p:custDataLst>
+              <p:tags r:id="rId1"/>
+            </p:custDataLst>
+          </p:nvPr>
+        </p:nvSpPr>
+        <p:spPr>
+          <a:xfrm>
+            <a:off x="4067810" y="4509135"/>
+            <a:ext cx="2540000" cy="791845"/>
+          </a:xfrm>
+          <a:prstGeom prst="rect">
+            <a:avLst/>
+          </a:prstGeom>
+          <a:solidFill>
+            <a:schemeClr val="accent6">
+              <a:lumMod val="75000"/>
+            </a:schemeClr>
+          </a:solidFill>
+          <a:ln>
+            <a:noFill/>
+          </a:ln>
+        </p:spPr>
+        <p:style>
+          <a:lnRef idx="2">
+            <a:schemeClr val="accent1">
+              <a:shade val="50000"/>
+            </a:schemeClr>
+          </a:lnRef>
+          <a:fillRef idx="1">
+            <a:schemeClr val="accent1"/>
+          </a:fillRef>
+          <a:effectRef idx="0">
+            <a:schemeClr val="accent1"/>
+          </a:effectRef>
+          <a:fontRef idx="minor">
+            <a:schemeClr val="lt1"/>
+          </a:fontRef>
+        </p:style>
+        <p:txBody>
+          <a:bodyPr rtlCol="0" anchor="ctr"/>
+          <a:p>
+            <a:pPr algn="ctr"/>
+            <a:r>
+              <a:rPr lang="en-US" altLang="zh-CN" dirty="0" err="1"/>
+              <a:t>nicefish-elastic-search</a:t>
+            </a:r>
+            <a:endParaRPr lang="zh-CN" altLang="en-US" dirty="0"/>
+          </a:p>
+        </p:txBody>
+      </p:sp>
+      <p:cxnSp>
+        <p:nvCxnSpPr>
+          <p:cNvPr id="4" name="直接箭头连接符 3"/>
+          <p:cNvCxnSpPr>
+            <a:stCxn id="2" idx="1"/>
+            <a:endCxn id="3" idx="3"/>
+          </p:cNvCxnSpPr>
+          <p:nvPr>
+            <p:custDataLst>
+              <p:tags r:id="rId2"/>
+            </p:custDataLst>
+          </p:nvPr>
+        </p:nvCxnSpPr>
+        <p:spPr>
+          <a:xfrm flipH="1" flipV="1">
+            <a:off x="3239229" y="4112895"/>
+            <a:ext cx="828675" cy="792480"/>
+          </a:xfrm>
+          <a:prstGeom prst="straightConnector1">
+            <a:avLst/>
+          </a:prstGeom>
+          <a:ln w="28575">
+            <a:tailEnd type="arrow"/>
+          </a:ln>
+        </p:spPr>
+        <p:style>
+          <a:lnRef idx="1">
+            <a:schemeClr val="accent1"/>
+          </a:lnRef>
+          <a:fillRef idx="0">
+            <a:schemeClr val="accent1"/>
+          </a:fillRef>
+          <a:effectRef idx="0">
+            <a:schemeClr val="accent1"/>
+          </a:effectRef>
+          <a:fontRef idx="minor">
+            <a:schemeClr val="tx1"/>
+          </a:fontRef>
+        </p:style>
+      </p:cxnSp>
+      <p:pic>
+        <p:nvPicPr>
+          <p:cNvPr id="1027" name="Picture 3" descr="F:\MyCourses\我的课程库\图片和AE资源\chrome.png"/>
+          <p:cNvPicPr>
+            <a:picLocks noChangeAspect="1" noChangeArrowheads="1"/>
+          </p:cNvPicPr>
+          <p:nvPr>
+            <p:custDataLst>
+              <p:tags r:id="rId3"/>
+            </p:custDataLst>
+          </p:nvPr>
+        </p:nvPicPr>
+        <p:blipFill>
+          <a:blip r:embed="rId4" cstate="print">
+            <a:extLst>
+              <a:ext uri="{28A0092B-C50C-407E-A947-70E740481C1C}">
+                <a14:useLocalDpi xmlns:a14="http://schemas.microsoft.com/office/drawing/2010/main" val="0"/>
+              </a:ext>
+            </a:extLst>
+          </a:blip>
+          <a:srcRect/>
+          <a:stretch>
+            <a:fillRect/>
+          </a:stretch>
+        </p:blipFill>
+        <p:spPr bwMode="auto">
+          <a:xfrm>
+            <a:off x="7812206" y="3429127"/>
+            <a:ext cx="709675" cy="709675"/>
+          </a:xfrm>
+          <a:prstGeom prst="rect">
+            <a:avLst/>
+          </a:prstGeom>
+          <a:noFill/>
+          <a:extLst>
+            <a:ext uri="{909E8E84-426E-40DD-AFC4-6F175D3DCCD1}">
+              <a14:hiddenFill xmlns:a14="http://schemas.microsoft.com/office/drawing/2010/main">
+                <a:solidFill>
+                  <a:srgbClr val="FFFFFF"/>
+                </a:solidFill>
+              </a14:hiddenFill>
+            </a:ext>
+          </a:extLst>
+        </p:spPr>
+      </p:pic>
+      <p:cxnSp>
+        <p:nvCxnSpPr>
+          <p:cNvPr id="6" name="直接箭头连接符 5"/>
+          <p:cNvCxnSpPr>
+            <a:stCxn id="1027" idx="1"/>
+            <a:endCxn id="22" idx="3"/>
+          </p:cNvCxnSpPr>
+          <p:nvPr>
+            <p:custDataLst>
+              <p:tags r:id="rId5"/>
+            </p:custDataLst>
+          </p:nvPr>
+        </p:nvCxnSpPr>
+        <p:spPr>
+          <a:xfrm flipH="1" flipV="1">
+            <a:off x="6191979" y="3068320"/>
+            <a:ext cx="1620520" cy="715645"/>
+          </a:xfrm>
+          <a:prstGeom prst="straightConnector1">
+            <a:avLst/>
+          </a:prstGeom>
+          <a:ln w="28575">
+            <a:solidFill>
+              <a:srgbClr val="FF0000"/>
+            </a:solidFill>
+            <a:tailEnd type="arrow"/>
+          </a:ln>
+        </p:spPr>
+        <p:style>
+          <a:lnRef idx="1">
+            <a:schemeClr val="accent1"/>
+          </a:lnRef>
+          <a:fillRef idx="0">
+            <a:schemeClr val="accent1"/>
+          </a:fillRef>
+          <a:effectRef idx="0">
+            <a:schemeClr val="accent1"/>
+          </a:effectRef>
+          <a:fontRef idx="minor">
+            <a:schemeClr val="tx1"/>
+          </a:fontRef>
+        </p:style>
+      </p:cxnSp>
+      <p:cxnSp>
+        <p:nvCxnSpPr>
+          <p:cNvPr id="7" name="直接箭头连接符 6"/>
+          <p:cNvCxnSpPr>
+            <a:stCxn id="1027" idx="1"/>
+            <a:endCxn id="2" idx="3"/>
+          </p:cNvCxnSpPr>
+          <p:nvPr>
+            <p:custDataLst>
+              <p:tags r:id="rId6"/>
+            </p:custDataLst>
+          </p:nvPr>
+        </p:nvCxnSpPr>
+        <p:spPr>
+          <a:xfrm flipH="1">
+            <a:off x="6607904" y="3783965"/>
+            <a:ext cx="1204595" cy="1121410"/>
+          </a:xfrm>
+          <a:prstGeom prst="straightConnector1">
+            <a:avLst/>
+          </a:prstGeom>
+          <a:ln w="28575">
+            <a:solidFill>
+              <a:srgbClr val="FF0000"/>
+            </a:solidFill>
             <a:tailEnd type="arrow"/>
           </a:ln>
         </p:spPr>
@@ -3942,6 +4170,36 @@
 </file>
 
 <file path=ppt/tags/tag1.xml><?xml version="1.0" encoding="utf-8"?>
+<p:tagLst xmlns:p="http://schemas.openxmlformats.org/presentationml/2006/main">
+  <p:tag name="KSO_WM_BEAUTIFY_FLAG" val=""/>
+</p:tagLst>
+</file>
+
+<file path=ppt/tags/tag2.xml><?xml version="1.0" encoding="utf-8"?>
+<p:tagLst xmlns:p="http://schemas.openxmlformats.org/presentationml/2006/main">
+  <p:tag name="KSO_WM_BEAUTIFY_FLAG" val=""/>
+</p:tagLst>
+</file>
+
+<file path=ppt/tags/tag3.xml><?xml version="1.0" encoding="utf-8"?>
+<p:tagLst xmlns:p="http://schemas.openxmlformats.org/presentationml/2006/main">
+  <p:tag name="KSO_WM_BEAUTIFY_FLAG" val=""/>
+</p:tagLst>
+</file>
+
+<file path=ppt/tags/tag4.xml><?xml version="1.0" encoding="utf-8"?>
+<p:tagLst xmlns:p="http://schemas.openxmlformats.org/presentationml/2006/main">
+  <p:tag name="KSO_WM_BEAUTIFY_FLAG" val=""/>
+</p:tagLst>
+</file>
+
+<file path=ppt/tags/tag5.xml><?xml version="1.0" encoding="utf-8"?>
+<p:tagLst xmlns:p="http://schemas.openxmlformats.org/presentationml/2006/main">
+  <p:tag name="KSO_WM_BEAUTIFY_FLAG" val=""/>
+</p:tagLst>
+</file>
+
+<file path=ppt/tags/tag6.xml><?xml version="1.0" encoding="utf-8"?>
 <p:tagLst xmlns:p="http://schemas.openxmlformats.org/presentationml/2006/main">
   <p:tag name="COMMONDATA" val="eyJoZGlkIjoiODI5NmU1MzU3MTZjMGExODM0NTRhZDIwOWE1NTFkNjAifQ=="/>
 </p:tagLst>
